--- a/Deploying Blazor WebAssembly to Firebase Hosting.pptx
+++ b/Deploying Blazor WebAssembly to Firebase Hosting.pptx
@@ -203,7 +203,7 @@
           <a:p>
             <a:fld id="{7A66462D-8375-476B-A997-11C764AA740F}" type="datetimeFigureOut">
               <a:rPr lang="en-US" smtClean="0"/>
-              <a:t>1/17/2021</a:t>
+              <a:t>1/18/2021</a:t>
             </a:fld>
             <a:endParaRPr lang="en-US" dirty="0"/>
           </a:p>
@@ -514,6 +514,435 @@
           <a:bodyPr/>
           <a:lstStyle/>
           <a:p>
+            <a:r>
+              <a:rPr lang="en-US" dirty="0"/>
+              <a:t>Hello, what’s up everybody. My name is Swimburger. And Today we are going to learn how to deploy </a:t>
+            </a:r>
+            <a:r>
+              <a:rPr lang="en-US" dirty="0" err="1"/>
+              <a:t>Blazor</a:t>
+            </a:r>
+            <a:r>
+              <a:rPr lang="en-US" dirty="0"/>
+              <a:t> </a:t>
+            </a:r>
+            <a:r>
+              <a:rPr lang="en-US" dirty="0" err="1"/>
+              <a:t>WebAssembly</a:t>
+            </a:r>
+            <a:r>
+              <a:rPr lang="en-US" dirty="0"/>
+              <a:t> to Firebase Hosting.</a:t>
+            </a:r>
+          </a:p>
+        </p:txBody>
+      </p:sp>
+      <p:sp>
+        <p:nvSpPr>
+          <p:cNvPr id="4" name="Slide Number Placeholder 3"/>
+          <p:cNvSpPr>
+            <a:spLocks noGrp="1"/>
+          </p:cNvSpPr>
+          <p:nvPr>
+            <p:ph type="sldNum" sz="quarter" idx="5"/>
+          </p:nvPr>
+        </p:nvSpPr>
+        <p:spPr/>
+        <p:txBody>
+          <a:bodyPr/>
+          <a:lstStyle/>
+          <a:p>
+            <a:fld id="{F4E074B5-100B-4F5F-8E29-6F6591A1F1DB}" type="slidenum">
+              <a:rPr lang="en-US" smtClean="0"/>
+              <a:t>1</a:t>
+            </a:fld>
+            <a:endParaRPr lang="en-US" dirty="0"/>
+          </a:p>
+        </p:txBody>
+      </p:sp>
+    </p:spTree>
+    <p:extLst>
+      <p:ext uri="{BB962C8B-B14F-4D97-AF65-F5344CB8AC3E}">
+        <p14:creationId xmlns:p14="http://schemas.microsoft.com/office/powerpoint/2010/main" val="157249238"/>
+      </p:ext>
+    </p:extLst>
+  </p:cSld>
+  <p:clrMapOvr>
+    <a:masterClrMapping/>
+  </p:clrMapOvr>
+</p:notes>
+</file>
+
+<file path=ppt/notesSlides/notesSlide2.xml><?xml version="1.0" encoding="utf-8"?>
+<p:notes xmlns:a="http://schemas.openxmlformats.org/drawingml/2006/main" xmlns:r="http://schemas.openxmlformats.org/officeDocument/2006/relationships" xmlns:p="http://schemas.openxmlformats.org/presentationml/2006/main">
+  <p:cSld>
+    <p:spTree>
+      <p:nvGrpSpPr>
+        <p:cNvPr id="1" name=""/>
+        <p:cNvGrpSpPr/>
+        <p:nvPr/>
+      </p:nvGrpSpPr>
+      <p:grpSpPr>
+        <a:xfrm>
+          <a:off x="0" y="0"/>
+          <a:ext cx="0" cy="0"/>
+          <a:chOff x="0" y="0"/>
+          <a:chExt cx="0" cy="0"/>
+        </a:xfrm>
+      </p:grpSpPr>
+      <p:sp>
+        <p:nvSpPr>
+          <p:cNvPr id="2" name="Slide Image Placeholder 1"/>
+          <p:cNvSpPr>
+            <a:spLocks noGrp="1" noRot="1" noChangeAspect="1"/>
+          </p:cNvSpPr>
+          <p:nvPr>
+            <p:ph type="sldImg"/>
+          </p:nvPr>
+        </p:nvSpPr>
+        <p:spPr/>
+      </p:sp>
+      <p:sp>
+        <p:nvSpPr>
+          <p:cNvPr id="3" name="Notes Placeholder 2"/>
+          <p:cNvSpPr>
+            <a:spLocks noGrp="1"/>
+          </p:cNvSpPr>
+          <p:nvPr>
+            <p:ph type="body" idx="1"/>
+          </p:nvPr>
+        </p:nvSpPr>
+        <p:spPr/>
+        <p:txBody>
+          <a:bodyPr/>
+          <a:lstStyle/>
+          <a:p>
+            <a:r>
+              <a:rPr lang="en-US" sz="1600" dirty="0"/>
+              <a:t>But first, what is Firebase Hosting? Firebase Hosting is a static site hosting service and is part of the suite of products and services offered by Google Firebase.</a:t>
+            </a:r>
+          </a:p>
+          <a:p>
+            <a:r>
+              <a:rPr lang="en-US" sz="1600" dirty="0"/>
+              <a:t>It supports custom domains, but the free plan is very limiting. The maximum data transfer per day is only 360megabytes. </a:t>
+            </a:r>
+          </a:p>
+          <a:p>
+            <a:r>
+              <a:rPr lang="en-US" sz="1600" dirty="0"/>
+              <a:t>After the free 360megabytes per day, you can pay 15cents per additional gigabyte.</a:t>
+            </a:r>
+            <a:br>
+              <a:rPr lang="en-US" sz="1600" dirty="0"/>
+            </a:br>
+            <a:r>
+              <a:rPr lang="en-US" sz="1600" dirty="0"/>
+              <a:t>For perspective, according to Cloudflare’s statistics, Swimburger.net almost served a gigabyte of data to serve about 6 to 7 hundred users Today.</a:t>
+            </a:r>
+          </a:p>
+        </p:txBody>
+      </p:sp>
+      <p:sp>
+        <p:nvSpPr>
+          <p:cNvPr id="4" name="Slide Number Placeholder 3"/>
+          <p:cNvSpPr>
+            <a:spLocks noGrp="1"/>
+          </p:cNvSpPr>
+          <p:nvPr>
+            <p:ph type="sldNum" sz="quarter" idx="5"/>
+          </p:nvPr>
+        </p:nvSpPr>
+        <p:spPr/>
+        <p:txBody>
+          <a:bodyPr/>
+          <a:lstStyle/>
+          <a:p>
+            <a:fld id="{F4E074B5-100B-4F5F-8E29-6F6591A1F1DB}" type="slidenum">
+              <a:rPr lang="en-US" smtClean="0"/>
+              <a:t>3</a:t>
+            </a:fld>
+            <a:endParaRPr lang="en-US" dirty="0"/>
+          </a:p>
+        </p:txBody>
+      </p:sp>
+    </p:spTree>
+    <p:extLst>
+      <p:ext uri="{BB962C8B-B14F-4D97-AF65-F5344CB8AC3E}">
+        <p14:creationId xmlns:p14="http://schemas.microsoft.com/office/powerpoint/2010/main" val="1068254968"/>
+      </p:ext>
+    </p:extLst>
+  </p:cSld>
+  <p:clrMapOvr>
+    <a:masterClrMapping/>
+  </p:clrMapOvr>
+</p:notes>
+</file>
+
+<file path=ppt/notesSlides/notesSlide3.xml><?xml version="1.0" encoding="utf-8"?>
+<p:notes xmlns:a="http://schemas.openxmlformats.org/drawingml/2006/main" xmlns:r="http://schemas.openxmlformats.org/officeDocument/2006/relationships" xmlns:p="http://schemas.openxmlformats.org/presentationml/2006/main">
+  <p:cSld>
+    <p:spTree>
+      <p:nvGrpSpPr>
+        <p:cNvPr id="1" name=""/>
+        <p:cNvGrpSpPr/>
+        <p:nvPr/>
+      </p:nvGrpSpPr>
+      <p:grpSpPr>
+        <a:xfrm>
+          <a:off x="0" y="0"/>
+          <a:ext cx="0" cy="0"/>
+          <a:chOff x="0" y="0"/>
+          <a:chExt cx="0" cy="0"/>
+        </a:xfrm>
+      </p:grpSpPr>
+      <p:sp>
+        <p:nvSpPr>
+          <p:cNvPr id="2" name="Slide Image Placeholder 1"/>
+          <p:cNvSpPr>
+            <a:spLocks noGrp="1" noRot="1" noChangeAspect="1"/>
+          </p:cNvSpPr>
+          <p:nvPr>
+            <p:ph type="sldImg"/>
+          </p:nvPr>
+        </p:nvSpPr>
+        <p:spPr/>
+      </p:sp>
+      <p:sp>
+        <p:nvSpPr>
+          <p:cNvPr id="3" name="Notes Placeholder 2"/>
+          <p:cNvSpPr>
+            <a:spLocks noGrp="1"/>
+          </p:cNvSpPr>
+          <p:nvPr>
+            <p:ph type="body" idx="1"/>
+          </p:nvPr>
+        </p:nvSpPr>
+        <p:spPr/>
+        <p:txBody>
+          <a:bodyPr/>
+          <a:lstStyle/>
+          <a:p>
+            <a:r>
+              <a:rPr lang="en-US" dirty="0"/>
+              <a:t>If Firebase doesn’t work out for you for some reason, there are many alternatives such as</a:t>
+            </a:r>
+            <a:br>
+              <a:rPr lang="en-US" dirty="0"/>
+            </a:br>
+            <a:r>
+              <a:rPr lang="en-US" dirty="0"/>
+              <a:t>Azure Static Web Apps, GitHub Pages, Netlify, and many more.</a:t>
+            </a:r>
+          </a:p>
+          <a:p>
+            <a:r>
+              <a:rPr lang="en-US" dirty="0"/>
+              <a:t>You can also put a reverse proxy service like Cloudflare in front of Firebase Hosting to lower the cost.</a:t>
+            </a:r>
+          </a:p>
+        </p:txBody>
+      </p:sp>
+      <p:sp>
+        <p:nvSpPr>
+          <p:cNvPr id="4" name="Slide Number Placeholder 3"/>
+          <p:cNvSpPr>
+            <a:spLocks noGrp="1"/>
+          </p:cNvSpPr>
+          <p:nvPr>
+            <p:ph type="sldNum" sz="quarter" idx="5"/>
+          </p:nvPr>
+        </p:nvSpPr>
+        <p:spPr/>
+        <p:txBody>
+          <a:bodyPr/>
+          <a:lstStyle/>
+          <a:p>
+            <a:fld id="{F4E074B5-100B-4F5F-8E29-6F6591A1F1DB}" type="slidenum">
+              <a:rPr lang="en-US" smtClean="0"/>
+              <a:t>4</a:t>
+            </a:fld>
+            <a:endParaRPr lang="en-US" dirty="0"/>
+          </a:p>
+        </p:txBody>
+      </p:sp>
+    </p:spTree>
+    <p:extLst>
+      <p:ext uri="{BB962C8B-B14F-4D97-AF65-F5344CB8AC3E}">
+        <p14:creationId xmlns:p14="http://schemas.microsoft.com/office/powerpoint/2010/main" val="817777176"/>
+      </p:ext>
+    </p:extLst>
+  </p:cSld>
+  <p:clrMapOvr>
+    <a:masterClrMapping/>
+  </p:clrMapOvr>
+</p:notes>
+</file>
+
+<file path=ppt/notesSlides/notesSlide4.xml><?xml version="1.0" encoding="utf-8"?>
+<p:notes xmlns:a="http://schemas.openxmlformats.org/drawingml/2006/main" xmlns:r="http://schemas.openxmlformats.org/officeDocument/2006/relationships" xmlns:p="http://schemas.openxmlformats.org/presentationml/2006/main">
+  <p:cSld>
+    <p:spTree>
+      <p:nvGrpSpPr>
+        <p:cNvPr id="1" name=""/>
+        <p:cNvGrpSpPr/>
+        <p:nvPr/>
+      </p:nvGrpSpPr>
+      <p:grpSpPr>
+        <a:xfrm>
+          <a:off x="0" y="0"/>
+          <a:ext cx="0" cy="0"/>
+          <a:chOff x="0" y="0"/>
+          <a:chExt cx="0" cy="0"/>
+        </a:xfrm>
+      </p:grpSpPr>
+      <p:sp>
+        <p:nvSpPr>
+          <p:cNvPr id="2" name="Slide Image Placeholder 1"/>
+          <p:cNvSpPr>
+            <a:spLocks noGrp="1" noRot="1" noChangeAspect="1"/>
+          </p:cNvSpPr>
+          <p:nvPr>
+            <p:ph type="sldImg"/>
+          </p:nvPr>
+        </p:nvSpPr>
+        <p:spPr/>
+      </p:sp>
+      <p:sp>
+        <p:nvSpPr>
+          <p:cNvPr id="3" name="Notes Placeholder 2"/>
+          <p:cNvSpPr>
+            <a:spLocks noGrp="1"/>
+          </p:cNvSpPr>
+          <p:nvPr>
+            <p:ph type="body" idx="1"/>
+          </p:nvPr>
+        </p:nvSpPr>
+        <p:spPr/>
+        <p:txBody>
+          <a:bodyPr/>
+          <a:lstStyle/>
+          <a:p>
+            <a:r>
+              <a:rPr lang="en-US" dirty="0"/>
+              <a:t>So we are going to do the following steps in this tutorial.</a:t>
+            </a:r>
+            <a:br>
+              <a:rPr lang="en-US" dirty="0"/>
+            </a:br>
+            <a:r>
+              <a:rPr lang="en-US" dirty="0"/>
+              <a:t>First we’ll create a </a:t>
+            </a:r>
+            <a:r>
+              <a:rPr lang="en-US" dirty="0" err="1"/>
+              <a:t>Blazor</a:t>
+            </a:r>
+            <a:r>
+              <a:rPr lang="en-US" dirty="0"/>
+              <a:t> WASM project,</a:t>
+            </a:r>
+          </a:p>
+          <a:p>
+            <a:r>
+              <a:rPr lang="en-US" dirty="0"/>
+              <a:t>Then we’ll create a GitHub repository and push the code to GitHub</a:t>
+            </a:r>
+          </a:p>
+          <a:p>
+            <a:r>
+              <a:rPr lang="en-US" dirty="0"/>
+              <a:t>Then we are going to use the Firebase CLI to deploy our web application to Firebase Hosting</a:t>
+            </a:r>
+          </a:p>
+          <a:p>
+            <a:r>
+              <a:rPr lang="en-US" dirty="0"/>
+              <a:t>Lastly, we’ll automatically deploy the application using GitHub Actions</a:t>
+            </a:r>
+          </a:p>
+        </p:txBody>
+      </p:sp>
+      <p:sp>
+        <p:nvSpPr>
+          <p:cNvPr id="4" name="Slide Number Placeholder 3"/>
+          <p:cNvSpPr>
+            <a:spLocks noGrp="1"/>
+          </p:cNvSpPr>
+          <p:nvPr>
+            <p:ph type="sldNum" sz="quarter" idx="5"/>
+          </p:nvPr>
+        </p:nvSpPr>
+        <p:spPr/>
+        <p:txBody>
+          <a:bodyPr/>
+          <a:lstStyle/>
+          <a:p>
+            <a:fld id="{F4E074B5-100B-4F5F-8E29-6F6591A1F1DB}" type="slidenum">
+              <a:rPr lang="en-US" smtClean="0"/>
+              <a:t>5</a:t>
+            </a:fld>
+            <a:endParaRPr lang="en-US" dirty="0"/>
+          </a:p>
+        </p:txBody>
+      </p:sp>
+    </p:spTree>
+    <p:extLst>
+      <p:ext uri="{BB962C8B-B14F-4D97-AF65-F5344CB8AC3E}">
+        <p14:creationId xmlns:p14="http://schemas.microsoft.com/office/powerpoint/2010/main" val="2179689452"/>
+      </p:ext>
+    </p:extLst>
+  </p:cSld>
+  <p:clrMapOvr>
+    <a:masterClrMapping/>
+  </p:clrMapOvr>
+</p:notes>
+</file>
+
+<file path=ppt/notesSlides/notesSlide5.xml><?xml version="1.0" encoding="utf-8"?>
+<p:notes xmlns:a="http://schemas.openxmlformats.org/drawingml/2006/main" xmlns:r="http://schemas.openxmlformats.org/officeDocument/2006/relationships" xmlns:p="http://schemas.openxmlformats.org/presentationml/2006/main">
+  <p:cSld>
+    <p:spTree>
+      <p:nvGrpSpPr>
+        <p:cNvPr id="1" name=""/>
+        <p:cNvGrpSpPr/>
+        <p:nvPr/>
+      </p:nvGrpSpPr>
+      <p:grpSpPr>
+        <a:xfrm>
+          <a:off x="0" y="0"/>
+          <a:ext cx="0" cy="0"/>
+          <a:chOff x="0" y="0"/>
+          <a:chExt cx="0" cy="0"/>
+        </a:xfrm>
+      </p:grpSpPr>
+      <p:sp>
+        <p:nvSpPr>
+          <p:cNvPr id="2" name="Slide Image Placeholder 1"/>
+          <p:cNvSpPr>
+            <a:spLocks noGrp="1" noRot="1" noChangeAspect="1"/>
+          </p:cNvSpPr>
+          <p:nvPr>
+            <p:ph type="sldImg"/>
+          </p:nvPr>
+        </p:nvSpPr>
+        <p:spPr/>
+      </p:sp>
+      <p:sp>
+        <p:nvSpPr>
+          <p:cNvPr id="3" name="Notes Placeholder 2"/>
+          <p:cNvSpPr>
+            <a:spLocks noGrp="1"/>
+          </p:cNvSpPr>
+          <p:nvPr>
+            <p:ph type="body" idx="1"/>
+          </p:nvPr>
+        </p:nvSpPr>
+        <p:spPr/>
+        <p:txBody>
+          <a:bodyPr/>
+          <a:lstStyle/>
+          <a:p>
             <a:endParaRPr lang="en-US" dirty="0"/>
           </a:p>
         </p:txBody>
@@ -701,7 +1130,7 @@
           <a:p>
             <a:fld id="{2A4FA98C-1AC5-4994-8CEF-6126DCC40BFF}" type="datetime1">
               <a:rPr lang="en-US" smtClean="0"/>
-              <a:t>1/17/2021</a:t>
+              <a:t>1/18/2021</a:t>
             </a:fld>
             <a:endParaRPr lang="en-US" dirty="0"/>
           </a:p>
@@ -903,7 +1332,7 @@
           <a:p>
             <a:fld id="{CF9A1C99-4184-45F0-9AA1-C697F85E623B}" type="datetime1">
               <a:rPr lang="en-US" smtClean="0"/>
-              <a:t>1/17/2021</a:t>
+              <a:t>1/18/2021</a:t>
             </a:fld>
             <a:endParaRPr lang="en-US" dirty="0"/>
           </a:p>
@@ -1115,7 +1544,7 @@
           <a:p>
             <a:fld id="{D1EC2A0B-BBCB-4B8B-9248-C859E21102C1}" type="datetime1">
               <a:rPr lang="en-US" smtClean="0"/>
-              <a:t>1/17/2021</a:t>
+              <a:t>1/18/2021</a:t>
             </a:fld>
             <a:endParaRPr lang="en-US" dirty="0"/>
           </a:p>
@@ -1317,7 +1746,7 @@
           <a:p>
             <a:fld id="{BED2CB5F-3D5A-4261-A2A7-FB9EA21A41BA}" type="datetime1">
               <a:rPr lang="en-US" smtClean="0"/>
-              <a:t>1/17/2021</a:t>
+              <a:t>1/18/2021</a:t>
             </a:fld>
             <a:endParaRPr lang="en-US" dirty="0"/>
           </a:p>
@@ -1596,7 +2025,7 @@
           <a:p>
             <a:fld id="{95D14C51-39EE-440C-83FB-1AD9E676741A}" type="datetime1">
               <a:rPr lang="en-US" smtClean="0"/>
-              <a:t>1/17/2021</a:t>
+              <a:t>1/18/2021</a:t>
             </a:fld>
             <a:endParaRPr lang="en-US" dirty="0"/>
           </a:p>
@@ -1865,7 +2294,7 @@
           <a:p>
             <a:fld id="{2878B5CC-C6DC-4AD3-82B3-E28A83EAB02B}" type="datetime1">
               <a:rPr lang="en-US" smtClean="0"/>
-              <a:t>1/17/2021</a:t>
+              <a:t>1/18/2021</a:t>
             </a:fld>
             <a:endParaRPr lang="en-US" dirty="0"/>
           </a:p>
@@ -2281,7 +2710,7 @@
           <a:p>
             <a:fld id="{15F30398-614A-48BF-B149-7E39CBB7FEEB}" type="datetime1">
               <a:rPr lang="en-US" smtClean="0"/>
-              <a:t>1/17/2021</a:t>
+              <a:t>1/18/2021</a:t>
             </a:fld>
             <a:endParaRPr lang="en-US" dirty="0"/>
           </a:p>
@@ -2426,7 +2855,7 @@
           <a:p>
             <a:fld id="{6999B1E3-E444-4102-8B7B-4548D0914EED}" type="datetime1">
               <a:rPr lang="en-US" smtClean="0"/>
-              <a:t>1/17/2021</a:t>
+              <a:t>1/18/2021</a:t>
             </a:fld>
             <a:endParaRPr lang="en-US" dirty="0"/>
           </a:p>
@@ -2543,7 +2972,7 @@
           <a:p>
             <a:fld id="{4F03F3BD-A6C1-47A3-B461-CF850BBDDC38}" type="datetime1">
               <a:rPr lang="en-US" smtClean="0"/>
-              <a:t>1/17/2021</a:t>
+              <a:t>1/18/2021</a:t>
             </a:fld>
             <a:endParaRPr lang="en-US" dirty="0"/>
           </a:p>
@@ -2858,7 +3287,7 @@
           <a:p>
             <a:fld id="{139E32C2-6228-4F0D-8345-6FCB6E698C1C}" type="datetime1">
               <a:rPr lang="en-US" smtClean="0"/>
-              <a:t>1/17/2021</a:t>
+              <a:t>1/18/2021</a:t>
             </a:fld>
             <a:endParaRPr lang="en-US" dirty="0"/>
           </a:p>
@@ -3150,7 +3579,7 @@
           <a:p>
             <a:fld id="{87E2A6D4-FBC3-4B7A-BBFD-0A4EFD8F579D}" type="datetime1">
               <a:rPr lang="en-US" smtClean="0"/>
-              <a:t>1/17/2021</a:t>
+              <a:t>1/18/2021</a:t>
             </a:fld>
             <a:endParaRPr lang="en-US" dirty="0"/>
           </a:p>
@@ -3395,7 +3824,7 @@
           <a:p>
             <a:fld id="{C55774C2-BE32-498D-96C4-73B84A15DCC4}" type="datetime1">
               <a:rPr lang="en-US" smtClean="0"/>
-              <a:t>1/17/2021</a:t>
+              <a:t>1/18/2021</a:t>
             </a:fld>
             <a:endParaRPr lang="en-US" dirty="0"/>
           </a:p>
@@ -3861,7 +4290,7 @@
           <p:nvPr/>
         </p:nvPicPr>
         <p:blipFill>
-          <a:blip r:embed="rId2">
+          <a:blip r:embed="rId3">
             <a:alphaModFix/>
             <a:extLst>
               <a:ext uri="{28A0092B-C50C-407E-A947-70E740481C1C}">
@@ -3950,7 +4379,7 @@
           <p:nvPr/>
         </p:nvPicPr>
         <p:blipFill>
-          <a:blip r:embed="rId3">
+          <a:blip r:embed="rId4">
             <a:extLst>
               <a:ext uri="{28A0092B-C50C-407E-A947-70E740481C1C}">
                 <a14:useLocalDpi xmlns:a14="http://schemas.microsoft.com/office/drawing/2010/main" val="0"/>
@@ -4405,8 +4834,8 @@
         </p:nvSpPr>
         <p:spPr>
           <a:xfrm>
-            <a:off x="838200" y="1690688"/>
-            <a:ext cx="10515600" cy="4486275"/>
+            <a:off x="838200" y="1690689"/>
+            <a:ext cx="10515600" cy="3078612"/>
           </a:xfrm>
         </p:spPr>
         <p:txBody>
@@ -4463,70 +4892,6 @@
               <a:t>Part of Firebase suite of products and services</a:t>
             </a:r>
           </a:p>
-          <a:p>
-            <a:pPr>
-              <a:lnSpc>
-                <a:spcPct val="120000"/>
-              </a:lnSpc>
-            </a:pPr>
-            <a:r>
-              <a:rPr lang="en-US" b="0" i="0" dirty="0">
-                <a:solidFill>
-                  <a:srgbClr val="24292E"/>
-                </a:solidFill>
-                <a:effectLst/>
-                <a:latin typeface="-apple-system"/>
-              </a:rPr>
-              <a:t>Spark plan is free but limiting (only 360 MB/day data transfer 😿)</a:t>
-            </a:r>
-            <a:br>
-              <a:rPr lang="en-US" b="0" i="0" dirty="0">
-                <a:solidFill>
-                  <a:srgbClr val="24292E"/>
-                </a:solidFill>
-                <a:effectLst/>
-                <a:latin typeface="-apple-system"/>
-              </a:rPr>
-            </a:br>
-            <a:r>
-              <a:rPr lang="en-US" sz="2400" dirty="0">
-                <a:solidFill>
-                  <a:srgbClr val="554F4F"/>
-                </a:solidFill>
-                <a:latin typeface="-apple-system"/>
-              </a:rPr>
-              <a:t>For perspective, swimburger.net served 956 MB to serve 691 unique users Today (1/17/2021 according to Cloudflare stats)</a:t>
-            </a:r>
-            <a:endParaRPr lang="en-US" sz="2400" b="0" i="0" dirty="0">
-              <a:solidFill>
-                <a:srgbClr val="554F4F"/>
-              </a:solidFill>
-              <a:effectLst/>
-              <a:latin typeface="Inter"/>
-            </a:endParaRPr>
-          </a:p>
-          <a:p>
-            <a:pPr>
-              <a:lnSpc>
-                <a:spcPct val="120000"/>
-              </a:lnSpc>
-            </a:pPr>
-            <a:endParaRPr lang="en-US" b="0" i="0" dirty="0">
-              <a:solidFill>
-                <a:srgbClr val="24292E"/>
-              </a:solidFill>
-              <a:effectLst/>
-              <a:latin typeface="-apple-system"/>
-            </a:endParaRPr>
-          </a:p>
-          <a:p>
-            <a:pPr>
-              <a:lnSpc>
-                <a:spcPct val="120000"/>
-              </a:lnSpc>
-            </a:pPr>
-            <a:endParaRPr lang="en-US" dirty="0"/>
-          </a:p>
         </p:txBody>
       </p:sp>
       <p:sp>
@@ -4573,7 +4938,7 @@
           <p:nvPr/>
         </p:nvPicPr>
         <p:blipFill>
-          <a:blip r:embed="rId2">
+          <a:blip r:embed="rId3">
             <a:extLst>
               <a:ext uri="{28A0092B-C50C-407E-A947-70E740481C1C}">
                 <a14:useLocalDpi xmlns:a14="http://schemas.microsoft.com/office/drawing/2010/main" val="0"/>
@@ -4594,6 +4959,575 @@
           </a:prstGeom>
         </p:spPr>
       </p:pic>
+      <p:sp>
+        <p:nvSpPr>
+          <p:cNvPr id="6" name="Content Placeholder 2">
+            <a:extLst>
+              <a:ext uri="{FF2B5EF4-FFF2-40B4-BE49-F238E27FC236}">
+                <a16:creationId xmlns:a16="http://schemas.microsoft.com/office/drawing/2014/main" id="{8B7AA076-AE8C-4B48-BB1A-4DD41B080B55}"/>
+              </a:ext>
+            </a:extLst>
+          </p:cNvPr>
+          <p:cNvSpPr txBox="1">
+            <a:spLocks/>
+          </p:cNvSpPr>
+          <p:nvPr/>
+        </p:nvSpPr>
+        <p:spPr>
+          <a:xfrm>
+            <a:off x="838200" y="3580262"/>
+            <a:ext cx="10515600" cy="1889573"/>
+          </a:xfrm>
+          <a:prstGeom prst="rect">
+            <a:avLst/>
+          </a:prstGeom>
+        </p:spPr>
+        <p:txBody>
+          <a:bodyPr vert="horz" lIns="91440" tIns="45720" rIns="91440" bIns="45720" numCol="2" rtlCol="0">
+            <a:normAutofit fontScale="92500" lnSpcReduction="20000"/>
+          </a:bodyPr>
+          <a:lstStyle>
+            <a:lvl1pPr marL="228600" indent="-228600" algn="l" defTabSz="914400" rtl="0" eaLnBrk="1" latinLnBrk="0" hangingPunct="1">
+              <a:lnSpc>
+                <a:spcPct val="90000"/>
+              </a:lnSpc>
+              <a:spcBef>
+                <a:spcPts val="1000"/>
+              </a:spcBef>
+              <a:buFont typeface="Arial" panose="020B0604020202020204" pitchFamily="34" charset="0"/>
+              <a:buChar char="•"/>
+              <a:defRPr sz="2800" kern="1200">
+                <a:solidFill>
+                  <a:schemeClr val="tx1"/>
+                </a:solidFill>
+                <a:latin typeface="+mn-lt"/>
+                <a:ea typeface="+mn-ea"/>
+                <a:cs typeface="+mn-cs"/>
+              </a:defRPr>
+            </a:lvl1pPr>
+            <a:lvl2pPr marL="685800" indent="-228600" algn="l" defTabSz="914400" rtl="0" eaLnBrk="1" latinLnBrk="0" hangingPunct="1">
+              <a:lnSpc>
+                <a:spcPct val="90000"/>
+              </a:lnSpc>
+              <a:spcBef>
+                <a:spcPts val="500"/>
+              </a:spcBef>
+              <a:buFont typeface="Arial" panose="020B0604020202020204" pitchFamily="34" charset="0"/>
+              <a:buChar char="•"/>
+              <a:defRPr sz="2400" kern="1200">
+                <a:solidFill>
+                  <a:schemeClr val="tx1"/>
+                </a:solidFill>
+                <a:latin typeface="+mn-lt"/>
+                <a:ea typeface="+mn-ea"/>
+                <a:cs typeface="+mn-cs"/>
+              </a:defRPr>
+            </a:lvl2pPr>
+            <a:lvl3pPr marL="1143000" indent="-228600" algn="l" defTabSz="914400" rtl="0" eaLnBrk="1" latinLnBrk="0" hangingPunct="1">
+              <a:lnSpc>
+                <a:spcPct val="90000"/>
+              </a:lnSpc>
+              <a:spcBef>
+                <a:spcPts val="500"/>
+              </a:spcBef>
+              <a:buFont typeface="Arial" panose="020B0604020202020204" pitchFamily="34" charset="0"/>
+              <a:buChar char="•"/>
+              <a:defRPr sz="2000" kern="1200">
+                <a:solidFill>
+                  <a:schemeClr val="tx1"/>
+                </a:solidFill>
+                <a:latin typeface="+mn-lt"/>
+                <a:ea typeface="+mn-ea"/>
+                <a:cs typeface="+mn-cs"/>
+              </a:defRPr>
+            </a:lvl3pPr>
+            <a:lvl4pPr marL="1600200" indent="-228600" algn="l" defTabSz="914400" rtl="0" eaLnBrk="1" latinLnBrk="0" hangingPunct="1">
+              <a:lnSpc>
+                <a:spcPct val="90000"/>
+              </a:lnSpc>
+              <a:spcBef>
+                <a:spcPts val="500"/>
+              </a:spcBef>
+              <a:buFont typeface="Arial" panose="020B0604020202020204" pitchFamily="34" charset="0"/>
+              <a:buChar char="•"/>
+              <a:defRPr sz="1800" kern="1200">
+                <a:solidFill>
+                  <a:schemeClr val="tx1"/>
+                </a:solidFill>
+                <a:latin typeface="+mn-lt"/>
+                <a:ea typeface="+mn-ea"/>
+                <a:cs typeface="+mn-cs"/>
+              </a:defRPr>
+            </a:lvl4pPr>
+            <a:lvl5pPr marL="2057400" indent="-228600" algn="l" defTabSz="914400" rtl="0" eaLnBrk="1" latinLnBrk="0" hangingPunct="1">
+              <a:lnSpc>
+                <a:spcPct val="90000"/>
+              </a:lnSpc>
+              <a:spcBef>
+                <a:spcPts val="500"/>
+              </a:spcBef>
+              <a:buFont typeface="Arial" panose="020B0604020202020204" pitchFamily="34" charset="0"/>
+              <a:buChar char="•"/>
+              <a:defRPr sz="1800" kern="1200">
+                <a:solidFill>
+                  <a:schemeClr val="tx1"/>
+                </a:solidFill>
+                <a:latin typeface="+mn-lt"/>
+                <a:ea typeface="+mn-ea"/>
+                <a:cs typeface="+mn-cs"/>
+              </a:defRPr>
+            </a:lvl5pPr>
+            <a:lvl6pPr marL="2514600" indent="-228600" algn="l" defTabSz="914400" rtl="0" eaLnBrk="1" latinLnBrk="0" hangingPunct="1">
+              <a:lnSpc>
+                <a:spcPct val="90000"/>
+              </a:lnSpc>
+              <a:spcBef>
+                <a:spcPts val="500"/>
+              </a:spcBef>
+              <a:buFont typeface="Arial" panose="020B0604020202020204" pitchFamily="34" charset="0"/>
+              <a:buChar char="•"/>
+              <a:defRPr sz="1800" kern="1200">
+                <a:solidFill>
+                  <a:schemeClr val="tx1"/>
+                </a:solidFill>
+                <a:latin typeface="+mn-lt"/>
+                <a:ea typeface="+mn-ea"/>
+                <a:cs typeface="+mn-cs"/>
+              </a:defRPr>
+            </a:lvl6pPr>
+            <a:lvl7pPr marL="2971800" indent="-228600" algn="l" defTabSz="914400" rtl="0" eaLnBrk="1" latinLnBrk="0" hangingPunct="1">
+              <a:lnSpc>
+                <a:spcPct val="90000"/>
+              </a:lnSpc>
+              <a:spcBef>
+                <a:spcPts val="500"/>
+              </a:spcBef>
+              <a:buFont typeface="Arial" panose="020B0604020202020204" pitchFamily="34" charset="0"/>
+              <a:buChar char="•"/>
+              <a:defRPr sz="1800" kern="1200">
+                <a:solidFill>
+                  <a:schemeClr val="tx1"/>
+                </a:solidFill>
+                <a:latin typeface="+mn-lt"/>
+                <a:ea typeface="+mn-ea"/>
+                <a:cs typeface="+mn-cs"/>
+              </a:defRPr>
+            </a:lvl7pPr>
+            <a:lvl8pPr marL="3429000" indent="-228600" algn="l" defTabSz="914400" rtl="0" eaLnBrk="1" latinLnBrk="0" hangingPunct="1">
+              <a:lnSpc>
+                <a:spcPct val="90000"/>
+              </a:lnSpc>
+              <a:spcBef>
+                <a:spcPts val="500"/>
+              </a:spcBef>
+              <a:buFont typeface="Arial" panose="020B0604020202020204" pitchFamily="34" charset="0"/>
+              <a:buChar char="•"/>
+              <a:defRPr sz="1800" kern="1200">
+                <a:solidFill>
+                  <a:schemeClr val="tx1"/>
+                </a:solidFill>
+                <a:latin typeface="+mn-lt"/>
+                <a:ea typeface="+mn-ea"/>
+                <a:cs typeface="+mn-cs"/>
+              </a:defRPr>
+            </a:lvl8pPr>
+            <a:lvl9pPr marL="3886200" indent="-228600" algn="l" defTabSz="914400" rtl="0" eaLnBrk="1" latinLnBrk="0" hangingPunct="1">
+              <a:lnSpc>
+                <a:spcPct val="90000"/>
+              </a:lnSpc>
+              <a:spcBef>
+                <a:spcPts val="500"/>
+              </a:spcBef>
+              <a:buFont typeface="Arial" panose="020B0604020202020204" pitchFamily="34" charset="0"/>
+              <a:buChar char="•"/>
+              <a:defRPr sz="1800" kern="1200">
+                <a:solidFill>
+                  <a:schemeClr val="tx1"/>
+                </a:solidFill>
+                <a:latin typeface="+mn-lt"/>
+                <a:ea typeface="+mn-ea"/>
+                <a:cs typeface="+mn-cs"/>
+              </a:defRPr>
+            </a:lvl9pPr>
+          </a:lstStyle>
+          <a:p>
+            <a:pPr>
+              <a:lnSpc>
+                <a:spcPct val="120000"/>
+              </a:lnSpc>
+            </a:pPr>
+            <a:r>
+              <a:rPr lang="en-US" sz="3000" dirty="0">
+                <a:solidFill>
+                  <a:srgbClr val="24292E"/>
+                </a:solidFill>
+                <a:latin typeface="-apple-system"/>
+              </a:rPr>
+              <a:t>Free </a:t>
+            </a:r>
+            <a:r>
+              <a:rPr lang="en-US" sz="3000">
+                <a:solidFill>
+                  <a:srgbClr val="24292E"/>
+                </a:solidFill>
+                <a:latin typeface="-apple-system"/>
+              </a:rPr>
+              <a:t>Spark plan:</a:t>
+            </a:r>
+            <a:endParaRPr lang="en-US" sz="3000" dirty="0">
+              <a:solidFill>
+                <a:srgbClr val="24292E"/>
+              </a:solidFill>
+              <a:latin typeface="-apple-system"/>
+            </a:endParaRPr>
+          </a:p>
+          <a:p>
+            <a:pPr marL="0" indent="0">
+              <a:lnSpc>
+                <a:spcPct val="120000"/>
+              </a:lnSpc>
+              <a:buNone/>
+            </a:pPr>
+            <a:r>
+              <a:rPr lang="en-US" sz="2000" dirty="0">
+                <a:solidFill>
+                  <a:srgbClr val="24292E"/>
+                </a:solidFill>
+                <a:latin typeface="-apple-system"/>
+              </a:rPr>
+              <a:t>    </a:t>
+            </a:r>
+            <a:r>
+              <a:rPr lang="en-US" sz="2400" dirty="0">
+                <a:solidFill>
+                  <a:srgbClr val="24292E"/>
+                </a:solidFill>
+                <a:latin typeface="-apple-system"/>
+              </a:rPr>
+              <a:t>10GB storage</a:t>
+            </a:r>
+          </a:p>
+          <a:p>
+            <a:pPr marL="0" indent="0">
+              <a:lnSpc>
+                <a:spcPct val="120000"/>
+              </a:lnSpc>
+              <a:buNone/>
+            </a:pPr>
+            <a:r>
+              <a:rPr lang="en-US" sz="2400" dirty="0">
+                <a:solidFill>
+                  <a:srgbClr val="24292E"/>
+                </a:solidFill>
+                <a:latin typeface="-apple-system"/>
+              </a:rPr>
+              <a:t>    Max 360 MB/day data transfer 😿</a:t>
+            </a:r>
+            <a:br>
+              <a:rPr lang="en-US" sz="2400" dirty="0">
+                <a:solidFill>
+                  <a:srgbClr val="24292E"/>
+                </a:solidFill>
+                <a:latin typeface="-apple-system"/>
+              </a:rPr>
+            </a:br>
+            <a:endParaRPr lang="en-US" sz="2400" dirty="0">
+              <a:solidFill>
+                <a:srgbClr val="24292E"/>
+              </a:solidFill>
+              <a:latin typeface="-apple-system"/>
+            </a:endParaRPr>
+          </a:p>
+          <a:p>
+            <a:pPr lvl="1">
+              <a:lnSpc>
+                <a:spcPct val="120000"/>
+              </a:lnSpc>
+            </a:pPr>
+            <a:r>
+              <a:rPr lang="en-US" sz="3000" dirty="0">
+                <a:solidFill>
+                  <a:srgbClr val="24292E"/>
+                </a:solidFill>
+                <a:latin typeface="-apple-system"/>
+              </a:rPr>
+              <a:t>Blaze plan: </a:t>
+            </a:r>
+          </a:p>
+          <a:p>
+            <a:pPr marL="457200" lvl="1" indent="0">
+              <a:lnSpc>
+                <a:spcPct val="120000"/>
+              </a:lnSpc>
+              <a:buNone/>
+            </a:pPr>
+            <a:r>
+              <a:rPr lang="en-US" dirty="0">
+                <a:solidFill>
+                  <a:srgbClr val="24292E"/>
+                </a:solidFill>
+                <a:latin typeface="-apple-system"/>
+              </a:rPr>
+              <a:t>    10GB free + </a:t>
+            </a:r>
+            <a:r>
+              <a:rPr lang="en-US" dirty="0"/>
+              <a:t>$0.026/GB for storage</a:t>
+            </a:r>
+          </a:p>
+          <a:p>
+            <a:pPr marL="457200" lvl="1" indent="0">
+              <a:lnSpc>
+                <a:spcPct val="120000"/>
+              </a:lnSpc>
+              <a:buNone/>
+            </a:pPr>
+            <a:r>
+              <a:rPr lang="en-US" dirty="0">
+                <a:solidFill>
+                  <a:srgbClr val="24292E"/>
+                </a:solidFill>
+                <a:latin typeface="-apple-system"/>
+              </a:rPr>
+              <a:t>    360 MB/day + </a:t>
+            </a:r>
+            <a:r>
+              <a:rPr lang="en-US" dirty="0"/>
+              <a:t>$0.15/GB data transfer </a:t>
+            </a:r>
+            <a:endParaRPr lang="en-US" dirty="0">
+              <a:solidFill>
+                <a:srgbClr val="24292E"/>
+              </a:solidFill>
+              <a:latin typeface="-apple-system"/>
+            </a:endParaRPr>
+          </a:p>
+          <a:p>
+            <a:pPr>
+              <a:lnSpc>
+                <a:spcPct val="120000"/>
+              </a:lnSpc>
+            </a:pPr>
+            <a:endParaRPr lang="en-US" dirty="0"/>
+          </a:p>
+        </p:txBody>
+      </p:sp>
+      <p:sp>
+        <p:nvSpPr>
+          <p:cNvPr id="8" name="Content Placeholder 2">
+            <a:extLst>
+              <a:ext uri="{FF2B5EF4-FFF2-40B4-BE49-F238E27FC236}">
+                <a16:creationId xmlns:a16="http://schemas.microsoft.com/office/drawing/2014/main" id="{CF2D6DA9-1618-403A-BD5F-53308855FB6D}"/>
+              </a:ext>
+            </a:extLst>
+          </p:cNvPr>
+          <p:cNvSpPr txBox="1">
+            <a:spLocks/>
+          </p:cNvSpPr>
+          <p:nvPr/>
+        </p:nvSpPr>
+        <p:spPr>
+          <a:xfrm>
+            <a:off x="838200" y="5469836"/>
+            <a:ext cx="10515600" cy="2680602"/>
+          </a:xfrm>
+          <a:prstGeom prst="rect">
+            <a:avLst/>
+          </a:prstGeom>
+        </p:spPr>
+        <p:txBody>
+          <a:bodyPr vert="horz" lIns="91440" tIns="45720" rIns="91440" bIns="45720" rtlCol="0">
+            <a:normAutofit/>
+          </a:bodyPr>
+          <a:lstStyle>
+            <a:lvl1pPr marL="228600" indent="-228600" algn="l" defTabSz="914400" rtl="0" eaLnBrk="1" latinLnBrk="0" hangingPunct="1">
+              <a:lnSpc>
+                <a:spcPct val="90000"/>
+              </a:lnSpc>
+              <a:spcBef>
+                <a:spcPts val="1000"/>
+              </a:spcBef>
+              <a:buFont typeface="Arial" panose="020B0604020202020204" pitchFamily="34" charset="0"/>
+              <a:buChar char="•"/>
+              <a:defRPr sz="2800" kern="1200">
+                <a:solidFill>
+                  <a:schemeClr val="tx1"/>
+                </a:solidFill>
+                <a:latin typeface="+mn-lt"/>
+                <a:ea typeface="+mn-ea"/>
+                <a:cs typeface="+mn-cs"/>
+              </a:defRPr>
+            </a:lvl1pPr>
+            <a:lvl2pPr marL="685800" indent="-228600" algn="l" defTabSz="914400" rtl="0" eaLnBrk="1" latinLnBrk="0" hangingPunct="1">
+              <a:lnSpc>
+                <a:spcPct val="90000"/>
+              </a:lnSpc>
+              <a:spcBef>
+                <a:spcPts val="500"/>
+              </a:spcBef>
+              <a:buFont typeface="Arial" panose="020B0604020202020204" pitchFamily="34" charset="0"/>
+              <a:buChar char="•"/>
+              <a:defRPr sz="2400" kern="1200">
+                <a:solidFill>
+                  <a:schemeClr val="tx1"/>
+                </a:solidFill>
+                <a:latin typeface="+mn-lt"/>
+                <a:ea typeface="+mn-ea"/>
+                <a:cs typeface="+mn-cs"/>
+              </a:defRPr>
+            </a:lvl2pPr>
+            <a:lvl3pPr marL="1143000" indent="-228600" algn="l" defTabSz="914400" rtl="0" eaLnBrk="1" latinLnBrk="0" hangingPunct="1">
+              <a:lnSpc>
+                <a:spcPct val="90000"/>
+              </a:lnSpc>
+              <a:spcBef>
+                <a:spcPts val="500"/>
+              </a:spcBef>
+              <a:buFont typeface="Arial" panose="020B0604020202020204" pitchFamily="34" charset="0"/>
+              <a:buChar char="•"/>
+              <a:defRPr sz="2000" kern="1200">
+                <a:solidFill>
+                  <a:schemeClr val="tx1"/>
+                </a:solidFill>
+                <a:latin typeface="+mn-lt"/>
+                <a:ea typeface="+mn-ea"/>
+                <a:cs typeface="+mn-cs"/>
+              </a:defRPr>
+            </a:lvl3pPr>
+            <a:lvl4pPr marL="1600200" indent="-228600" algn="l" defTabSz="914400" rtl="0" eaLnBrk="1" latinLnBrk="0" hangingPunct="1">
+              <a:lnSpc>
+                <a:spcPct val="90000"/>
+              </a:lnSpc>
+              <a:spcBef>
+                <a:spcPts val="500"/>
+              </a:spcBef>
+              <a:buFont typeface="Arial" panose="020B0604020202020204" pitchFamily="34" charset="0"/>
+              <a:buChar char="•"/>
+              <a:defRPr sz="1800" kern="1200">
+                <a:solidFill>
+                  <a:schemeClr val="tx1"/>
+                </a:solidFill>
+                <a:latin typeface="+mn-lt"/>
+                <a:ea typeface="+mn-ea"/>
+                <a:cs typeface="+mn-cs"/>
+              </a:defRPr>
+            </a:lvl4pPr>
+            <a:lvl5pPr marL="2057400" indent="-228600" algn="l" defTabSz="914400" rtl="0" eaLnBrk="1" latinLnBrk="0" hangingPunct="1">
+              <a:lnSpc>
+                <a:spcPct val="90000"/>
+              </a:lnSpc>
+              <a:spcBef>
+                <a:spcPts val="500"/>
+              </a:spcBef>
+              <a:buFont typeface="Arial" panose="020B0604020202020204" pitchFamily="34" charset="0"/>
+              <a:buChar char="•"/>
+              <a:defRPr sz="1800" kern="1200">
+                <a:solidFill>
+                  <a:schemeClr val="tx1"/>
+                </a:solidFill>
+                <a:latin typeface="+mn-lt"/>
+                <a:ea typeface="+mn-ea"/>
+                <a:cs typeface="+mn-cs"/>
+              </a:defRPr>
+            </a:lvl5pPr>
+            <a:lvl6pPr marL="2514600" indent="-228600" algn="l" defTabSz="914400" rtl="0" eaLnBrk="1" latinLnBrk="0" hangingPunct="1">
+              <a:lnSpc>
+                <a:spcPct val="90000"/>
+              </a:lnSpc>
+              <a:spcBef>
+                <a:spcPts val="500"/>
+              </a:spcBef>
+              <a:buFont typeface="Arial" panose="020B0604020202020204" pitchFamily="34" charset="0"/>
+              <a:buChar char="•"/>
+              <a:defRPr sz="1800" kern="1200">
+                <a:solidFill>
+                  <a:schemeClr val="tx1"/>
+                </a:solidFill>
+                <a:latin typeface="+mn-lt"/>
+                <a:ea typeface="+mn-ea"/>
+                <a:cs typeface="+mn-cs"/>
+              </a:defRPr>
+            </a:lvl6pPr>
+            <a:lvl7pPr marL="2971800" indent="-228600" algn="l" defTabSz="914400" rtl="0" eaLnBrk="1" latinLnBrk="0" hangingPunct="1">
+              <a:lnSpc>
+                <a:spcPct val="90000"/>
+              </a:lnSpc>
+              <a:spcBef>
+                <a:spcPts val="500"/>
+              </a:spcBef>
+              <a:buFont typeface="Arial" panose="020B0604020202020204" pitchFamily="34" charset="0"/>
+              <a:buChar char="•"/>
+              <a:defRPr sz="1800" kern="1200">
+                <a:solidFill>
+                  <a:schemeClr val="tx1"/>
+                </a:solidFill>
+                <a:latin typeface="+mn-lt"/>
+                <a:ea typeface="+mn-ea"/>
+                <a:cs typeface="+mn-cs"/>
+              </a:defRPr>
+            </a:lvl7pPr>
+            <a:lvl8pPr marL="3429000" indent="-228600" algn="l" defTabSz="914400" rtl="0" eaLnBrk="1" latinLnBrk="0" hangingPunct="1">
+              <a:lnSpc>
+                <a:spcPct val="90000"/>
+              </a:lnSpc>
+              <a:spcBef>
+                <a:spcPts val="500"/>
+              </a:spcBef>
+              <a:buFont typeface="Arial" panose="020B0604020202020204" pitchFamily="34" charset="0"/>
+              <a:buChar char="•"/>
+              <a:defRPr sz="1800" kern="1200">
+                <a:solidFill>
+                  <a:schemeClr val="tx1"/>
+                </a:solidFill>
+                <a:latin typeface="+mn-lt"/>
+                <a:ea typeface="+mn-ea"/>
+                <a:cs typeface="+mn-cs"/>
+              </a:defRPr>
+            </a:lvl8pPr>
+            <a:lvl9pPr marL="3886200" indent="-228600" algn="l" defTabSz="914400" rtl="0" eaLnBrk="1" latinLnBrk="0" hangingPunct="1">
+              <a:lnSpc>
+                <a:spcPct val="90000"/>
+              </a:lnSpc>
+              <a:spcBef>
+                <a:spcPts val="500"/>
+              </a:spcBef>
+              <a:buFont typeface="Arial" panose="020B0604020202020204" pitchFamily="34" charset="0"/>
+              <a:buChar char="•"/>
+              <a:defRPr sz="1800" kern="1200">
+                <a:solidFill>
+                  <a:schemeClr val="tx1"/>
+                </a:solidFill>
+                <a:latin typeface="+mn-lt"/>
+                <a:ea typeface="+mn-ea"/>
+                <a:cs typeface="+mn-cs"/>
+              </a:defRPr>
+            </a:lvl9pPr>
+          </a:lstStyle>
+          <a:p>
+            <a:pPr marL="0" indent="0" algn="ctr">
+              <a:buNone/>
+            </a:pPr>
+            <a:r>
+              <a:rPr lang="en-US" sz="2400" dirty="0">
+                <a:solidFill>
+                  <a:srgbClr val="554F4F"/>
+                </a:solidFill>
+                <a:latin typeface="-apple-system"/>
+              </a:rPr>
+              <a:t>For perspective, swimburger.net served 956 MB to serve 691 unique users Today (1/17/2021 according to Cloudflare stats)</a:t>
+            </a:r>
+            <a:endParaRPr lang="en-US" sz="2400" dirty="0">
+              <a:solidFill>
+                <a:srgbClr val="554F4F"/>
+              </a:solidFill>
+              <a:latin typeface="Inter"/>
+            </a:endParaRPr>
+          </a:p>
+          <a:p>
+            <a:endParaRPr lang="en-US" dirty="0"/>
+          </a:p>
+        </p:txBody>
+      </p:sp>
     </p:spTree>
     <p:extLst>
       <p:ext uri="{BB962C8B-B14F-4D97-AF65-F5344CB8AC3E}">
@@ -4721,7 +5655,7 @@
                 </a:solidFill>
                 <a:effectLst/>
                 <a:latin typeface="-apple-system"/>
-                <a:hlinkClick r:id="rId2"/>
+                <a:hlinkClick r:id="rId3"/>
               </a:rPr>
               <a:t>Blazor WASM Walkthrough</a:t>
             </a:r>
@@ -4774,7 +5708,7 @@
                   <a:srgbClr val="24292E"/>
                 </a:solidFill>
                 <a:latin typeface="-apple-system"/>
-                <a:hlinkClick r:id="rId3"/>
+                <a:hlinkClick r:id="rId4"/>
               </a:rPr>
               <a:t>Blazor WASM Walkthrough</a:t>
             </a:r>
@@ -4932,10 +5866,10 @@
           <p:nvPr/>
         </p:nvPicPr>
         <p:blipFill>
-          <a:blip r:embed="rId4">
+          <a:blip r:embed="rId5">
             <a:extLst>
               <a:ext uri="{96DAC541-7B7A-43D3-8B79-37D633B846F1}">
-                <asvg:svgBlip xmlns:asvg="http://schemas.microsoft.com/office/drawing/2016/SVG/main" r:embed="rId5"/>
+                <asvg:svgBlip xmlns:asvg="http://schemas.microsoft.com/office/drawing/2016/SVG/main" r:embed="rId6"/>
               </a:ext>
             </a:extLst>
           </a:blip>
@@ -5150,7 +6084,7 @@
           <p:nvPr/>
         </p:nvPicPr>
         <p:blipFill>
-          <a:blip r:embed="rId2">
+          <a:blip r:embed="rId3">
             <a:extLst>
               <a:ext uri="{28A0092B-C50C-407E-A947-70E740481C1C}">
                 <a14:useLocalDpi xmlns:a14="http://schemas.microsoft.com/office/drawing/2010/main" val="0"/>
